--- a/Presentations/ML Adverserial Neural Networks.pptx
+++ b/Presentations/ML Adverserial Neural Networks.pptx
@@ -202,7 +202,7 @@
           <a:p>
             <a:fld id="{FAF957FC-5175-49AC-8D2B-2F056FFFC1DD}" type="datetimeFigureOut">
               <a:rPr lang="en-US" smtClean="0"/>
-              <a:t>10/20/2017</a:t>
+              <a:t>10/23/2017</a:t>
             </a:fld>
             <a:endParaRPr lang="en-US"/>
           </a:p>
@@ -1240,7 +1240,7 @@
             <a:fld id="{1D8BD707-D9CF-40AE-B4C6-C98DA3205C09}" type="datetimeFigureOut">
               <a:rPr lang="en-US" smtClean="0"/>
               <a:pPr/>
-              <a:t>10/20/2017</a:t>
+              <a:t>10/23/2017</a:t>
             </a:fld>
             <a:endParaRPr lang="en-US"/>
           </a:p>
@@ -1407,7 +1407,7 @@
             <a:fld id="{1D8BD707-D9CF-40AE-B4C6-C98DA3205C09}" type="datetimeFigureOut">
               <a:rPr lang="en-US" smtClean="0"/>
               <a:pPr/>
-              <a:t>10/20/2017</a:t>
+              <a:t>10/23/2017</a:t>
             </a:fld>
             <a:endParaRPr lang="en-US"/>
           </a:p>
@@ -1584,7 +1584,7 @@
             <a:fld id="{1D8BD707-D9CF-40AE-B4C6-C98DA3205C09}" type="datetimeFigureOut">
               <a:rPr lang="en-US" smtClean="0"/>
               <a:pPr/>
-              <a:t>10/20/2017</a:t>
+              <a:t>10/23/2017</a:t>
             </a:fld>
             <a:endParaRPr lang="en-US"/>
           </a:p>
@@ -1751,7 +1751,7 @@
             <a:fld id="{1D8BD707-D9CF-40AE-B4C6-C98DA3205C09}" type="datetimeFigureOut">
               <a:rPr lang="en-US" smtClean="0"/>
               <a:pPr/>
-              <a:t>10/20/2017</a:t>
+              <a:t>10/23/2017</a:t>
             </a:fld>
             <a:endParaRPr lang="en-US"/>
           </a:p>
@@ -1994,7 +1994,7 @@
             <a:fld id="{1D8BD707-D9CF-40AE-B4C6-C98DA3205C09}" type="datetimeFigureOut">
               <a:rPr lang="en-US" smtClean="0"/>
               <a:pPr/>
-              <a:t>10/20/2017</a:t>
+              <a:t>10/23/2017</a:t>
             </a:fld>
             <a:endParaRPr lang="en-US"/>
           </a:p>
@@ -2279,7 +2279,7 @@
             <a:fld id="{1D8BD707-D9CF-40AE-B4C6-C98DA3205C09}" type="datetimeFigureOut">
               <a:rPr lang="en-US" smtClean="0"/>
               <a:pPr/>
-              <a:t>10/20/2017</a:t>
+              <a:t>10/23/2017</a:t>
             </a:fld>
             <a:endParaRPr lang="en-US"/>
           </a:p>
@@ -2698,7 +2698,7 @@
             <a:fld id="{1D8BD707-D9CF-40AE-B4C6-C98DA3205C09}" type="datetimeFigureOut">
               <a:rPr lang="en-US" smtClean="0"/>
               <a:pPr/>
-              <a:t>10/20/2017</a:t>
+              <a:t>10/23/2017</a:t>
             </a:fld>
             <a:endParaRPr lang="en-US"/>
           </a:p>
@@ -2813,7 +2813,7 @@
             <a:fld id="{1D8BD707-D9CF-40AE-B4C6-C98DA3205C09}" type="datetimeFigureOut">
               <a:rPr lang="en-US" smtClean="0"/>
               <a:pPr/>
-              <a:t>10/20/2017</a:t>
+              <a:t>10/23/2017</a:t>
             </a:fld>
             <a:endParaRPr lang="en-US"/>
           </a:p>
@@ -2905,7 +2905,7 @@
             <a:fld id="{1D8BD707-D9CF-40AE-B4C6-C98DA3205C09}" type="datetimeFigureOut">
               <a:rPr lang="en-US" smtClean="0"/>
               <a:pPr/>
-              <a:t>10/20/2017</a:t>
+              <a:t>10/23/2017</a:t>
             </a:fld>
             <a:endParaRPr lang="en-US"/>
           </a:p>
@@ -3179,7 +3179,7 @@
             <a:fld id="{1D8BD707-D9CF-40AE-B4C6-C98DA3205C09}" type="datetimeFigureOut">
               <a:rPr lang="en-US" smtClean="0"/>
               <a:pPr/>
-              <a:t>10/20/2017</a:t>
+              <a:t>10/23/2017</a:t>
             </a:fld>
             <a:endParaRPr lang="en-US"/>
           </a:p>
@@ -3429,7 +3429,7 @@
             <a:fld id="{1D8BD707-D9CF-40AE-B4C6-C98DA3205C09}" type="datetimeFigureOut">
               <a:rPr lang="en-US" smtClean="0"/>
               <a:pPr/>
-              <a:t>10/20/2017</a:t>
+              <a:t>10/23/2017</a:t>
             </a:fld>
             <a:endParaRPr lang="en-US"/>
           </a:p>
@@ -3639,7 +3639,7 @@
             <a:fld id="{1D8BD707-D9CF-40AE-B4C6-C98DA3205C09}" type="datetimeFigureOut">
               <a:rPr lang="en-US" smtClean="0"/>
               <a:pPr/>
-              <a:t>10/20/2017</a:t>
+              <a:t>10/23/2017</a:t>
             </a:fld>
             <a:endParaRPr lang="en-US"/>
           </a:p>
@@ -4036,11 +4036,7 @@
             </a:br>
             <a:r>
               <a:rPr lang="en-US" dirty="0" smtClean="0"/>
-              <a:t>Adversarial Attacks on </a:t>
-            </a:r>
-            <a:r>
-              <a:rPr lang="en-US" dirty="0" smtClean="0"/>
-              <a:t>Neural Networks</a:t>
+              <a:t>Adversarial Attacks on Neural Networks</a:t>
             </a:r>
             <a:r>
               <a:rPr lang="en-US" dirty="0"/>
@@ -4090,17 +4086,7 @@
                   </a:schemeClr>
                 </a:solidFill>
               </a:rPr>
-              <a:t>Created </a:t>
-            </a:r>
-            <a:r>
-              <a:rPr lang="en-US" sz="2400" dirty="0" smtClean="0">
-                <a:solidFill>
-                  <a:schemeClr val="accent1">
-                    <a:lumMod val="75000"/>
-                  </a:schemeClr>
-                </a:solidFill>
-              </a:rPr>
-              <a:t>by </a:t>
+              <a:t>Created by </a:t>
             </a:r>
             <a:r>
               <a:rPr lang="en-US" sz="2400" dirty="0">
@@ -4160,11 +4146,7 @@
             </a:br>
             <a:r>
               <a:rPr lang="en-US" sz="1800" dirty="0" smtClean="0"/>
-              <a:t>October, </a:t>
-            </a:r>
-            <a:r>
-              <a:rPr lang="en-US" sz="1800" dirty="0" smtClean="0"/>
-              <a:t>2017</a:t>
+              <a:t>October, 2017</a:t>
             </a:r>
             <a:endParaRPr lang="en-US" sz="1800" dirty="0"/>
           </a:p>
@@ -4495,10 +4477,7 @@
             </a:r>
           </a:p>
           <a:p>
-            <a:pPr marL="800100" lvl="1" indent="-342900">
-              <a:buFont typeface="Arial" panose="020B0604020202020204" pitchFamily="34" charset="0"/>
-              <a:buChar char="•"/>
-            </a:pPr>
+            <a:pPr lvl="1"/>
             <a:r>
               <a:rPr lang="en-US" sz="2400" b="1" dirty="0" smtClean="0">
                 <a:solidFill>
@@ -4507,7 +4486,17 @@
                   </a:schemeClr>
                 </a:solidFill>
               </a:rPr>
-              <a:t>Are we getting closer or further away, and adjust weights </a:t>
+              <a:t>     Are </a:t>
+            </a:r>
+            <a:r>
+              <a:rPr lang="en-US" sz="2400" b="1" dirty="0" smtClean="0">
+                <a:solidFill>
+                  <a:schemeClr val="accent6">
+                    <a:lumMod val="75000"/>
+                  </a:schemeClr>
+                </a:solidFill>
+              </a:rPr>
+              <a:t>we getting closer or further away, and adjust weights </a:t>
             </a:r>
           </a:p>
           <a:p>
@@ -5710,19 +5699,7 @@
           <a:p>
             <a:r>
               <a:rPr lang="en-US" sz="1200" b="1" dirty="0" smtClean="0"/>
-              <a:t>Convolutiona</a:t>
-            </a:r>
-            <a:r>
-              <a:rPr lang="en-US" sz="1200" b="1" dirty="0" smtClean="0"/>
-              <a:t>l </a:t>
-            </a:r>
-            <a:r>
-              <a:rPr lang="en-US" sz="1200" b="1" dirty="0" smtClean="0"/>
-              <a:t>Neural </a:t>
-            </a:r>
-            <a:r>
-              <a:rPr lang="en-US" sz="1200" b="1" dirty="0" smtClean="0"/>
-              <a:t>Network</a:t>
+              <a:t>Convolutional Neural Network</a:t>
             </a:r>
             <a:endParaRPr lang="en-US" sz="1200" b="1" dirty="0"/>
           </a:p>
@@ -6304,13 +6281,6 @@
               </a:rPr>
               <a:t>Non-Cat Classifier (e.g., toaster)</a:t>
             </a:r>
-            <a:endParaRPr lang="en-US" sz="1000" dirty="0" smtClean="0">
-              <a:solidFill>
-                <a:schemeClr val="accent6">
-                  <a:lumMod val="75000"/>
-                </a:schemeClr>
-              </a:solidFill>
-            </a:endParaRPr>
           </a:p>
         </p:txBody>
       </p:sp>
@@ -6609,25 +6579,8 @@
                   </a:schemeClr>
                 </a:solidFill>
               </a:rPr>
-              <a:t>Hacked I</a:t>
-            </a:r>
-            <a:r>
-              <a:rPr lang="en-US" sz="1000" dirty="0" smtClean="0">
-                <a:solidFill>
-                  <a:schemeClr val="accent6">
-                    <a:lumMod val="75000"/>
-                  </a:schemeClr>
-                </a:solidFill>
-              </a:rPr>
-              <a:t>mage</a:t>
-            </a:r>
-            <a:endParaRPr lang="en-US" sz="1000" dirty="0" smtClean="0">
-              <a:solidFill>
-                <a:schemeClr val="accent6">
-                  <a:lumMod val="75000"/>
-                </a:schemeClr>
-              </a:solidFill>
-            </a:endParaRPr>
+              <a:t>Hacked Image</a:t>
+            </a:r>
           </a:p>
         </p:txBody>
       </p:sp>
@@ -6671,8 +6624,8 @@
           </a:fontRef>
         </p:style>
       </p:cxnSp>
-      <mc:AlternateContent xmlns:mc="http://schemas.openxmlformats.org/markup-compatibility/2006">
-        <mc:Choice xmlns:a14="http://schemas.microsoft.com/office/drawing/2010/main" Requires="a14">
+      <mc:AlternateContent xmlns:mc="http://schemas.openxmlformats.org/markup-compatibility/2006" xmlns:a14="http://schemas.microsoft.com/office/drawing/2010/main">
+        <mc:Choice Requires="a14">
           <p:sp>
             <p:nvSpPr>
               <p:cNvPr id="72" name="TextBox 71"/>
@@ -6769,7 +6722,7 @@
             </p:txBody>
           </p:sp>
         </mc:Choice>
-        <mc:Fallback>
+        <mc:Fallback xmlns="">
           <p:sp>
             <p:nvSpPr>
               <p:cNvPr id="72" name="TextBox 71"/>
@@ -6870,13 +6823,6 @@
               </a:rPr>
               <a:t>Hacked Label (toaster)</a:t>
             </a:r>
-            <a:endParaRPr lang="en-US" sz="1000" dirty="0" smtClean="0">
-              <a:solidFill>
-                <a:schemeClr val="accent6">
-                  <a:lumMod val="75000"/>
-                </a:schemeClr>
-              </a:solidFill>
-            </a:endParaRPr>
           </a:p>
         </p:txBody>
       </p:sp>
@@ -6912,13 +6858,6 @@
               </a:rPr>
               <a:t>Predicted Label</a:t>
             </a:r>
-            <a:endParaRPr lang="en-US" sz="1000" dirty="0" smtClean="0">
-              <a:solidFill>
-                <a:schemeClr val="accent6">
-                  <a:lumMod val="75000"/>
-                </a:schemeClr>
-              </a:solidFill>
-            </a:endParaRPr>
           </a:p>
         </p:txBody>
       </p:sp>
@@ -7377,13 +7316,6 @@
               </a:rPr>
               <a:t>Hacked image.</a:t>
             </a:r>
-            <a:endParaRPr lang="en-US" sz="1000" dirty="0" smtClean="0">
-              <a:solidFill>
-                <a:schemeClr val="accent6">
-                  <a:lumMod val="75000"/>
-                </a:schemeClr>
-              </a:solidFill>
-            </a:endParaRPr>
           </a:p>
         </p:txBody>
       </p:sp>
@@ -7470,25 +7402,8 @@
                   </a:schemeClr>
                 </a:solidFill>
               </a:rPr>
-              <a:t>Hacked I</a:t>
-            </a:r>
-            <a:r>
-              <a:rPr lang="en-US" sz="1000" dirty="0" smtClean="0">
-                <a:solidFill>
-                  <a:schemeClr val="accent6">
-                    <a:lumMod val="75000"/>
-                  </a:schemeClr>
-                </a:solidFill>
-              </a:rPr>
-              <a:t>mage</a:t>
-            </a:r>
-            <a:endParaRPr lang="en-US" sz="1000" dirty="0" smtClean="0">
-              <a:solidFill>
-                <a:schemeClr val="accent6">
-                  <a:lumMod val="75000"/>
-                </a:schemeClr>
-              </a:solidFill>
-            </a:endParaRPr>
+              <a:t>Hacked Image</a:t>
+            </a:r>
           </a:p>
         </p:txBody>
       </p:sp>
@@ -7618,13 +7533,6 @@
               </a:rPr>
               <a:t>Image is now labeled as a non-cat (toaster)</a:t>
             </a:r>
-            <a:endParaRPr lang="en-US" sz="1000" dirty="0" smtClean="0">
-              <a:solidFill>
-                <a:schemeClr val="accent6">
-                  <a:lumMod val="75000"/>
-                </a:schemeClr>
-              </a:solidFill>
-            </a:endParaRPr>
           </a:p>
         </p:txBody>
       </p:sp>
@@ -10908,13 +10816,6 @@
               </a:rPr>
               <a:t>low confidence.</a:t>
             </a:r>
-            <a:endParaRPr lang="en-US" sz="1200" dirty="0" smtClean="0">
-              <a:solidFill>
-                <a:schemeClr val="accent6">
-                  <a:lumMod val="75000"/>
-                </a:schemeClr>
-              </a:solidFill>
-            </a:endParaRPr>
           </a:p>
         </p:txBody>
       </p:sp>
@@ -10991,13 +10892,6 @@
               </a:rPr>
               <a:t>Original Image</a:t>
             </a:r>
-            <a:endParaRPr lang="en-US" sz="1200" dirty="0" smtClean="0">
-              <a:solidFill>
-                <a:schemeClr val="accent6">
-                  <a:lumMod val="75000"/>
-                </a:schemeClr>
-              </a:solidFill>
-            </a:endParaRPr>
           </a:p>
         </p:txBody>
       </p:sp>
@@ -11203,15 +11097,7 @@
                   <a:srgbClr val="FF0000"/>
                 </a:solidFill>
               </a:rPr>
-              <a:t>Stil</a:t>
-            </a:r>
-            <a:r>
-              <a:rPr lang="en-US" sz="1000" dirty="0" smtClean="0">
-                <a:solidFill>
-                  <a:srgbClr val="FF0000"/>
-                </a:solidFill>
-              </a:rPr>
-              <a:t>l looks like original</a:t>
+              <a:t>Still looks like original</a:t>
             </a:r>
           </a:p>
           <a:p>
@@ -11223,11 +11109,6 @@
               </a:rPr>
               <a:t>To human eye.</a:t>
             </a:r>
-            <a:endParaRPr lang="en-US" sz="1000" dirty="0" smtClean="0">
-              <a:solidFill>
-                <a:srgbClr val="FF0000"/>
-              </a:solidFill>
-            </a:endParaRPr>
           </a:p>
         </p:txBody>
       </p:sp>
@@ -11369,13 +11250,6 @@
               </a:rPr>
               <a:t>high confidence.</a:t>
             </a:r>
-            <a:endParaRPr lang="en-US" sz="1200" dirty="0" smtClean="0">
-              <a:solidFill>
-                <a:schemeClr val="accent6">
-                  <a:lumMod val="75000"/>
-                </a:schemeClr>
-              </a:solidFill>
-            </a:endParaRPr>
           </a:p>
         </p:txBody>
       </p:sp>
@@ -11609,13 +11483,6 @@
               </a:rPr>
               <a:t>The modified pixels are not detectable by the human eye.</a:t>
             </a:r>
-            <a:endParaRPr lang="en-US" sz="1200" b="1" dirty="0" smtClean="0">
-              <a:solidFill>
-                <a:schemeClr val="accent6">
-                  <a:lumMod val="75000"/>
-                </a:schemeClr>
-              </a:solidFill>
-            </a:endParaRPr>
           </a:p>
         </p:txBody>
       </p:sp>
@@ -12690,19 +12557,7 @@
           <a:p>
             <a:r>
               <a:rPr lang="en-US" sz="1200" b="1" dirty="0" smtClean="0"/>
-              <a:t>Convolutiona</a:t>
-            </a:r>
-            <a:r>
-              <a:rPr lang="en-US" sz="1200" b="1" dirty="0" smtClean="0"/>
-              <a:t>l </a:t>
-            </a:r>
-            <a:r>
-              <a:rPr lang="en-US" sz="1200" b="1" dirty="0" smtClean="0"/>
-              <a:t>Neural </a:t>
-            </a:r>
-            <a:r>
-              <a:rPr lang="en-US" sz="1200" b="1" dirty="0" smtClean="0"/>
-              <a:t>Network</a:t>
+              <a:t>Convolutional Neural Network</a:t>
             </a:r>
             <a:endParaRPr lang="en-US" sz="1200" b="1" dirty="0"/>
           </a:p>
@@ -13284,13 +13139,6 @@
               </a:rPr>
               <a:t>Cat Classifier</a:t>
             </a:r>
-            <a:endParaRPr lang="en-US" sz="1000" dirty="0" smtClean="0">
-              <a:solidFill>
-                <a:schemeClr val="accent6">
-                  <a:lumMod val="75000"/>
-                </a:schemeClr>
-              </a:solidFill>
-            </a:endParaRPr>
           </a:p>
         </p:txBody>
       </p:sp>
@@ -13591,13 +13439,6 @@
               </a:rPr>
               <a:t>Training Image</a:t>
             </a:r>
-            <a:endParaRPr lang="en-US" sz="1000" dirty="0" smtClean="0">
-              <a:solidFill>
-                <a:schemeClr val="accent6">
-                  <a:lumMod val="75000"/>
-                </a:schemeClr>
-              </a:solidFill>
-            </a:endParaRPr>
           </a:p>
         </p:txBody>
       </p:sp>
@@ -13641,8 +13482,8 @@
           </a:fontRef>
         </p:style>
       </p:cxnSp>
-      <mc:AlternateContent xmlns:mc="http://schemas.openxmlformats.org/markup-compatibility/2006">
-        <mc:Choice xmlns:a14="http://schemas.microsoft.com/office/drawing/2010/main" Requires="a14">
+      <mc:AlternateContent xmlns:mc="http://schemas.openxmlformats.org/markup-compatibility/2006" xmlns:a14="http://schemas.microsoft.com/office/drawing/2010/main">
+        <mc:Choice Requires="a14">
           <p:sp>
             <p:nvSpPr>
               <p:cNvPr id="72" name="TextBox 71"/>
@@ -13739,7 +13580,7 @@
             </p:txBody>
           </p:sp>
         </mc:Choice>
-        <mc:Fallback>
+        <mc:Fallback xmlns="">
           <p:sp>
             <p:nvSpPr>
               <p:cNvPr id="72" name="TextBox 71"/>
@@ -13840,13 +13681,6 @@
               </a:rPr>
               <a:t>Expected Label (cat)</a:t>
             </a:r>
-            <a:endParaRPr lang="en-US" sz="1000" dirty="0" smtClean="0">
-              <a:solidFill>
-                <a:schemeClr val="accent6">
-                  <a:lumMod val="75000"/>
-                </a:schemeClr>
-              </a:solidFill>
-            </a:endParaRPr>
           </a:p>
         </p:txBody>
       </p:sp>
@@ -13882,13 +13716,6 @@
               </a:rPr>
               <a:t>Predicted Label</a:t>
             </a:r>
-            <a:endParaRPr lang="en-US" sz="1000" dirty="0" smtClean="0">
-              <a:solidFill>
-                <a:schemeClr val="accent6">
-                  <a:lumMod val="75000"/>
-                </a:schemeClr>
-              </a:solidFill>
-            </a:endParaRPr>
           </a:p>
         </p:txBody>
       </p:sp>
@@ -14384,13 +14211,6 @@
               </a:rPr>
               <a:t>Backpropagation Adjustments to Weights</a:t>
             </a:r>
-            <a:endParaRPr lang="en-US" sz="1000" dirty="0" smtClean="0">
-              <a:solidFill>
-                <a:schemeClr val="accent6">
-                  <a:lumMod val="75000"/>
-                </a:schemeClr>
-              </a:solidFill>
-            </a:endParaRPr>
           </a:p>
         </p:txBody>
       </p:sp>
@@ -14460,13 +14280,6 @@
               </a:rPr>
               <a:t>Image</a:t>
             </a:r>
-            <a:endParaRPr lang="en-US" sz="1000" dirty="0" smtClean="0">
-              <a:solidFill>
-                <a:schemeClr val="accent6">
-                  <a:lumMod val="75000"/>
-                </a:schemeClr>
-              </a:solidFill>
-            </a:endParaRPr>
           </a:p>
         </p:txBody>
       </p:sp>
@@ -18388,13 +18201,6 @@
               </a:rPr>
               <a:t>Imperfection</a:t>
             </a:r>
-            <a:endParaRPr lang="en-US" sz="1200" dirty="0" smtClean="0">
-              <a:solidFill>
-                <a:schemeClr val="accent6">
-                  <a:lumMod val="75000"/>
-                </a:schemeClr>
-              </a:solidFill>
-            </a:endParaRPr>
           </a:p>
         </p:txBody>
       </p:sp>
@@ -19076,13 +18882,6 @@
               </a:rPr>
               <a:t>Nodes in Hidden Layer</a:t>
             </a:r>
-            <a:endParaRPr lang="en-US" sz="1000" dirty="0" smtClean="0">
-              <a:solidFill>
-                <a:schemeClr val="accent6">
-                  <a:lumMod val="75000"/>
-                </a:schemeClr>
-              </a:solidFill>
-            </a:endParaRPr>
           </a:p>
         </p:txBody>
       </p:sp>
@@ -20052,13 +19851,6 @@
               </a:rPr>
               <a:t>Line (curve) that separates data</a:t>
             </a:r>
-            <a:endParaRPr lang="en-US" sz="1000" dirty="0" smtClean="0">
-              <a:solidFill>
-                <a:schemeClr val="accent6">
-                  <a:lumMod val="75000"/>
-                </a:schemeClr>
-              </a:solidFill>
-            </a:endParaRPr>
           </a:p>
         </p:txBody>
       </p:sp>
@@ -21077,15 +20869,7 @@
                   <a:srgbClr val="00B0F0"/>
                 </a:solidFill>
               </a:rPr>
-              <a:t>Move data points (corresponding to a </a:t>
-            </a:r>
-            <a:r>
-              <a:rPr lang="en-US" b="1" dirty="0" smtClean="0">
-                <a:solidFill>
-                  <a:srgbClr val="00B0F0"/>
-                </a:solidFill>
-              </a:rPr>
-              <a:t>pixel) very near line of separation that</a:t>
+              <a:t>Move data points (corresponding to a pixel) very near line of separation that</a:t>
             </a:r>
           </a:p>
           <a:p>
@@ -22519,13 +22303,6 @@
               </a:rPr>
               <a:t>favorable to cat.</a:t>
             </a:r>
-            <a:endParaRPr lang="en-US" sz="1000" dirty="0" smtClean="0">
-              <a:solidFill>
-                <a:schemeClr val="accent6">
-                  <a:lumMod val="75000"/>
-                </a:schemeClr>
-              </a:solidFill>
-            </a:endParaRPr>
           </a:p>
         </p:txBody>
       </p:sp>
@@ -22637,13 +22414,8 @@
           <a:p>
             <a:r>
               <a:rPr lang="en-US" sz="1400" b="1" dirty="0" smtClean="0"/>
-              <a:t>Target data point (e.g., pixel) </a:t>
-            </a:r>
-            <a:r>
-              <a:rPr lang="en-US" sz="1400" b="1" dirty="0" smtClean="0"/>
-              <a:t>close to separation line.</a:t>
-            </a:r>
-            <a:endParaRPr lang="en-US" sz="1400" b="1" dirty="0" smtClean="0"/>
+              <a:t>Target data point (e.g., pixel) close to separation line.</a:t>
+            </a:r>
           </a:p>
         </p:txBody>
       </p:sp>
@@ -22801,13 +22573,8 @@
           <a:p>
             <a:r>
               <a:rPr lang="en-US" sz="1400" b="1" dirty="0" smtClean="0"/>
-              <a:t>Target data point </a:t>
-            </a:r>
-            <a:r>
-              <a:rPr lang="en-US" sz="1400" b="1" dirty="0" smtClean="0"/>
-              <a:t>moved to other side of separation line.</a:t>
-            </a:r>
-            <a:endParaRPr lang="en-US" sz="1400" b="1" dirty="0" smtClean="0"/>
+              <a:t>Target data point moved to other side of separation line.</a:t>
+            </a:r>
           </a:p>
         </p:txBody>
       </p:sp>
@@ -22893,13 +22660,6 @@
               </a:rPr>
               <a:t>Not favorable to cat.</a:t>
             </a:r>
-            <a:endParaRPr lang="en-US" sz="1000" dirty="0" smtClean="0">
-              <a:solidFill>
-                <a:schemeClr val="accent6">
-                  <a:lumMod val="75000"/>
-                </a:schemeClr>
-              </a:solidFill>
-            </a:endParaRPr>
           </a:p>
         </p:txBody>
       </p:sp>
@@ -23132,17 +22892,7 @@
                   </a:schemeClr>
                 </a:solidFill>
               </a:rPr>
-              <a:t>   in th</a:t>
-            </a:r>
-            <a:r>
-              <a:rPr lang="en-US" sz="2800" b="1" dirty="0" smtClean="0">
-                <a:solidFill>
-                  <a:schemeClr val="accent5">
-                    <a:lumMod val="75000"/>
-                  </a:schemeClr>
-                </a:solidFill>
-              </a:rPr>
-              <a:t>e hidden nodes.</a:t>
+              <a:t>   in the hidden nodes.</a:t>
             </a:r>
           </a:p>
           <a:p>
@@ -23183,13 +22933,6 @@
               </a:rPr>
               <a:t>     is needed.</a:t>
             </a:r>
-            <a:endParaRPr lang="en-US" sz="2400" b="1" dirty="0" smtClean="0">
-              <a:solidFill>
-                <a:schemeClr val="accent6">
-                  <a:lumMod val="75000"/>
-                </a:schemeClr>
-              </a:solidFill>
-            </a:endParaRPr>
           </a:p>
           <a:p>
             <a:pPr marL="914400" lvl="1" indent="-457200">
@@ -23287,13 +23030,6 @@
               </a:rPr>
               <a:t>The changes will not be noticeable to the human eye.</a:t>
             </a:r>
-            <a:endParaRPr lang="en-US" sz="2400" b="1" dirty="0" smtClean="0">
-              <a:solidFill>
-                <a:schemeClr val="accent6">
-                  <a:lumMod val="75000"/>
-                </a:schemeClr>
-              </a:solidFill>
-            </a:endParaRPr>
           </a:p>
         </p:txBody>
       </p:sp>

--- a/Presentations/ML Adverserial Neural Networks.pptx
+++ b/Presentations/ML Adverserial Neural Networks.pptx
@@ -202,7 +202,7 @@
           <a:p>
             <a:fld id="{FAF957FC-5175-49AC-8D2B-2F056FFFC1DD}" type="datetimeFigureOut">
               <a:rPr lang="en-US" smtClean="0"/>
-              <a:t>10/23/2017</a:t>
+              <a:t>11/19/2017</a:t>
             </a:fld>
             <a:endParaRPr lang="en-US"/>
           </a:p>
@@ -1240,7 +1240,7 @@
             <a:fld id="{1D8BD707-D9CF-40AE-B4C6-C98DA3205C09}" type="datetimeFigureOut">
               <a:rPr lang="en-US" smtClean="0"/>
               <a:pPr/>
-              <a:t>10/23/2017</a:t>
+              <a:t>11/19/2017</a:t>
             </a:fld>
             <a:endParaRPr lang="en-US"/>
           </a:p>
@@ -1407,7 +1407,7 @@
             <a:fld id="{1D8BD707-D9CF-40AE-B4C6-C98DA3205C09}" type="datetimeFigureOut">
               <a:rPr lang="en-US" smtClean="0"/>
               <a:pPr/>
-              <a:t>10/23/2017</a:t>
+              <a:t>11/19/2017</a:t>
             </a:fld>
             <a:endParaRPr lang="en-US"/>
           </a:p>
@@ -1584,7 +1584,7 @@
             <a:fld id="{1D8BD707-D9CF-40AE-B4C6-C98DA3205C09}" type="datetimeFigureOut">
               <a:rPr lang="en-US" smtClean="0"/>
               <a:pPr/>
-              <a:t>10/23/2017</a:t>
+              <a:t>11/19/2017</a:t>
             </a:fld>
             <a:endParaRPr lang="en-US"/>
           </a:p>
@@ -1751,7 +1751,7 @@
             <a:fld id="{1D8BD707-D9CF-40AE-B4C6-C98DA3205C09}" type="datetimeFigureOut">
               <a:rPr lang="en-US" smtClean="0"/>
               <a:pPr/>
-              <a:t>10/23/2017</a:t>
+              <a:t>11/19/2017</a:t>
             </a:fld>
             <a:endParaRPr lang="en-US"/>
           </a:p>
@@ -1994,7 +1994,7 @@
             <a:fld id="{1D8BD707-D9CF-40AE-B4C6-C98DA3205C09}" type="datetimeFigureOut">
               <a:rPr lang="en-US" smtClean="0"/>
               <a:pPr/>
-              <a:t>10/23/2017</a:t>
+              <a:t>11/19/2017</a:t>
             </a:fld>
             <a:endParaRPr lang="en-US"/>
           </a:p>
@@ -2279,7 +2279,7 @@
             <a:fld id="{1D8BD707-D9CF-40AE-B4C6-C98DA3205C09}" type="datetimeFigureOut">
               <a:rPr lang="en-US" smtClean="0"/>
               <a:pPr/>
-              <a:t>10/23/2017</a:t>
+              <a:t>11/19/2017</a:t>
             </a:fld>
             <a:endParaRPr lang="en-US"/>
           </a:p>
@@ -2698,7 +2698,7 @@
             <a:fld id="{1D8BD707-D9CF-40AE-B4C6-C98DA3205C09}" type="datetimeFigureOut">
               <a:rPr lang="en-US" smtClean="0"/>
               <a:pPr/>
-              <a:t>10/23/2017</a:t>
+              <a:t>11/19/2017</a:t>
             </a:fld>
             <a:endParaRPr lang="en-US"/>
           </a:p>
@@ -2813,7 +2813,7 @@
             <a:fld id="{1D8BD707-D9CF-40AE-B4C6-C98DA3205C09}" type="datetimeFigureOut">
               <a:rPr lang="en-US" smtClean="0"/>
               <a:pPr/>
-              <a:t>10/23/2017</a:t>
+              <a:t>11/19/2017</a:t>
             </a:fld>
             <a:endParaRPr lang="en-US"/>
           </a:p>
@@ -2905,7 +2905,7 @@
             <a:fld id="{1D8BD707-D9CF-40AE-B4C6-C98DA3205C09}" type="datetimeFigureOut">
               <a:rPr lang="en-US" smtClean="0"/>
               <a:pPr/>
-              <a:t>10/23/2017</a:t>
+              <a:t>11/19/2017</a:t>
             </a:fld>
             <a:endParaRPr lang="en-US"/>
           </a:p>
@@ -3179,7 +3179,7 @@
             <a:fld id="{1D8BD707-D9CF-40AE-B4C6-C98DA3205C09}" type="datetimeFigureOut">
               <a:rPr lang="en-US" smtClean="0"/>
               <a:pPr/>
-              <a:t>10/23/2017</a:t>
+              <a:t>11/19/2017</a:t>
             </a:fld>
             <a:endParaRPr lang="en-US"/>
           </a:p>
@@ -3429,7 +3429,7 @@
             <a:fld id="{1D8BD707-D9CF-40AE-B4C6-C98DA3205C09}" type="datetimeFigureOut">
               <a:rPr lang="en-US" smtClean="0"/>
               <a:pPr/>
-              <a:t>10/23/2017</a:t>
+              <a:t>11/19/2017</a:t>
             </a:fld>
             <a:endParaRPr lang="en-US"/>
           </a:p>
@@ -3639,7 +3639,7 @@
             <a:fld id="{1D8BD707-D9CF-40AE-B4C6-C98DA3205C09}" type="datetimeFigureOut">
               <a:rPr lang="en-US" smtClean="0"/>
               <a:pPr/>
-              <a:t>10/23/2017</a:t>
+              <a:t>11/19/2017</a:t>
             </a:fld>
             <a:endParaRPr lang="en-US"/>
           </a:p>
@@ -4486,17 +4486,7 @@
                   </a:schemeClr>
                 </a:solidFill>
               </a:rPr>
-              <a:t>     Are </a:t>
-            </a:r>
-            <a:r>
-              <a:rPr lang="en-US" sz="2400" b="1" dirty="0" smtClean="0">
-                <a:solidFill>
-                  <a:schemeClr val="accent6">
-                    <a:lumMod val="75000"/>
-                  </a:schemeClr>
-                </a:solidFill>
-              </a:rPr>
-              <a:t>we getting closer or further away, and adjust weights </a:t>
+              <a:t>     Are we getting closer or further away, and adjust weights </a:t>
             </a:r>
           </a:p>
           <a:p>
@@ -7626,11 +7616,15 @@
             <a:pPr algn="ctr"/>
             <a:r>
               <a:rPr lang="en-US" sz="1200" dirty="0" smtClean="0"/>
-              <a:t>Tweak the image based on change in gradient </a:t>
-            </a:r>
-            <a:r>
-              <a:rPr lang="en-US" sz="1200" dirty="0" err="1" smtClean="0"/>
-              <a:t>dirctio</a:t>
+              <a:t>Tweak the image based on change in </a:t>
+            </a:r>
+            <a:r>
+              <a:rPr lang="en-US" sz="1200" smtClean="0"/>
+              <a:t>gradient </a:t>
+            </a:r>
+            <a:r>
+              <a:rPr lang="en-US" sz="1200" smtClean="0"/>
+              <a:t>direction</a:t>
             </a:r>
             <a:endParaRPr lang="en-US" sz="1200" dirty="0"/>
           </a:p>
